--- a/UNDER DEVELOPMENT/OPAR Version 2/JESTER/OPARTGT005 JABLAH NAVY PORT.pptx
+++ b/UNDER DEVELOPMENT/OPAR Version 2/JESTER/OPARTGT005 JABLAH NAVY PORT.pptx
@@ -209,7 +209,7 @@
             <a:fld id="{40637A30-8EE1-4060-9976-8832FC89EE34}" type="datetimeFigureOut">
               <a:rPr lang="nb-NO" smtClean="0"/>
               <a:pPr/>
-              <a:t>19.12.2021</a:t>
+              <a:t>20.12.2021</a:t>
             </a:fld>
             <a:endParaRPr lang="nb-NO"/>
           </a:p>
@@ -4183,14 +4183,14 @@
         </p:spPr>
         <p:txBody>
           <a:bodyPr wrap="square" rtlCol="0">
-            <a:normAutofit fontScale="92500"/>
+            <a:normAutofit fontScale="85000" lnSpcReduction="10000"/>
           </a:bodyPr>
           <a:lstStyle/>
           <a:p>
-            <a:pPr>
-              <a:buFontTx/>
-              <a:buChar char="-"/>
-            </a:pPr>
+            <a:r>
+              <a:rPr lang="en-US" sz="1200" b="1" dirty="0"/>
+              <a:t>CDC -</a:t>
+            </a:r>
             <a:r>
               <a:rPr lang="pl-PL" sz="1200" dirty="0"/>
               <a:t> </a:t>
@@ -5715,6 +5715,121 @@
           </p:txBody>
         </p:sp>
       </p:grpSp>
+      <p:sp>
+        <p:nvSpPr>
+          <p:cNvPr id="6" name="Freeform: Shape 5">
+            <a:extLst>
+              <a:ext uri="{FF2B5EF4-FFF2-40B4-BE49-F238E27FC236}">
+                <a16:creationId xmlns:a16="http://schemas.microsoft.com/office/drawing/2014/main" id="{24DD4C89-666A-4461-ACE3-63A130E660C9}"/>
+              </a:ext>
+            </a:extLst>
+          </p:cNvPr>
+          <p:cNvSpPr/>
+          <p:nvPr/>
+        </p:nvSpPr>
+        <p:spPr>
+          <a:xfrm>
+            <a:off x="2505456" y="1780032"/>
+            <a:ext cx="1795272" cy="1371600"/>
+          </a:xfrm>
+          <a:custGeom>
+            <a:avLst/>
+            <a:gdLst>
+              <a:gd name="connsiteX0" fmla="*/ 39624 w 1795272"/>
+              <a:gd name="connsiteY0" fmla="*/ 262128 h 1371600"/>
+              <a:gd name="connsiteX1" fmla="*/ 1179576 w 1795272"/>
+              <a:gd name="connsiteY1" fmla="*/ 1371600 h 1371600"/>
+              <a:gd name="connsiteX2" fmla="*/ 1795272 w 1795272"/>
+              <a:gd name="connsiteY2" fmla="*/ 1155192 h 1371600"/>
+              <a:gd name="connsiteX3" fmla="*/ 1712976 w 1795272"/>
+              <a:gd name="connsiteY3" fmla="*/ 0 h 1371600"/>
+              <a:gd name="connsiteX4" fmla="*/ 0 w 1795272"/>
+              <a:gd name="connsiteY4" fmla="*/ 3048 h 1371600"/>
+              <a:gd name="connsiteX5" fmla="*/ 39624 w 1795272"/>
+              <a:gd name="connsiteY5" fmla="*/ 262128 h 1371600"/>
+            </a:gdLst>
+            <a:ahLst/>
+            <a:cxnLst>
+              <a:cxn ang="0">
+                <a:pos x="connsiteX0" y="connsiteY0"/>
+              </a:cxn>
+              <a:cxn ang="0">
+                <a:pos x="connsiteX1" y="connsiteY1"/>
+              </a:cxn>
+              <a:cxn ang="0">
+                <a:pos x="connsiteX2" y="connsiteY2"/>
+              </a:cxn>
+              <a:cxn ang="0">
+                <a:pos x="connsiteX3" y="connsiteY3"/>
+              </a:cxn>
+              <a:cxn ang="0">
+                <a:pos x="connsiteX4" y="connsiteY4"/>
+              </a:cxn>
+              <a:cxn ang="0">
+                <a:pos x="connsiteX5" y="connsiteY5"/>
+              </a:cxn>
+            </a:cxnLst>
+            <a:rect l="l" t="t" r="r" b="b"/>
+            <a:pathLst>
+              <a:path w="1795272" h="1371600">
+                <a:moveTo>
+                  <a:pt x="39624" y="262128"/>
+                </a:moveTo>
+                <a:lnTo>
+                  <a:pt x="1179576" y="1371600"/>
+                </a:lnTo>
+                <a:lnTo>
+                  <a:pt x="1795272" y="1155192"/>
+                </a:lnTo>
+                <a:lnTo>
+                  <a:pt x="1712976" y="0"/>
+                </a:lnTo>
+                <a:lnTo>
+                  <a:pt x="0" y="3048"/>
+                </a:lnTo>
+                <a:lnTo>
+                  <a:pt x="39624" y="262128"/>
+                </a:lnTo>
+                <a:close/>
+              </a:path>
+            </a:pathLst>
+          </a:custGeom>
+          <a:solidFill>
+            <a:srgbClr val="FF0000">
+              <a:alpha val="24000"/>
+            </a:srgbClr>
+          </a:solidFill>
+          <a:ln w="6350">
+            <a:solidFill>
+              <a:srgbClr val="FF0000"/>
+            </a:solidFill>
+          </a:ln>
+        </p:spPr>
+        <p:style>
+          <a:lnRef idx="2">
+            <a:schemeClr val="accent1">
+              <a:shade val="50000"/>
+            </a:schemeClr>
+          </a:lnRef>
+          <a:fillRef idx="1">
+            <a:schemeClr val="accent1"/>
+          </a:fillRef>
+          <a:effectRef idx="0">
+            <a:schemeClr val="accent1"/>
+          </a:effectRef>
+          <a:fontRef idx="minor">
+            <a:schemeClr val="lt1"/>
+          </a:fontRef>
+        </p:style>
+        <p:txBody>
+          <a:bodyPr rtlCol="0" anchor="ctr"/>
+          <a:lstStyle/>
+          <a:p>
+            <a:pPr algn="ctr"/>
+            <a:endParaRPr lang="is-IS"/>
+          </a:p>
+        </p:txBody>
+      </p:sp>
     </p:spTree>
   </p:cSld>
   <p:clrMapOvr>
